--- a/02-Button/01_Pro_ucitele/Prezentace/21-tlacitka.pptx
+++ b/02-Button/01_Pro_ucitele/Prezentace/21-tlacitka.pptx
@@ -4823,7 +4823,7 @@
         <p:spPr>
           <a:xfrm>
             <a:off x="504360" y="3528000"/>
-            <a:ext cx="9069120" cy="827640"/>
+            <a:ext cx="9068760" cy="827280"/>
           </a:xfrm>
           <a:prstGeom prst="rect">
             <a:avLst/>
@@ -4874,7 +4874,7 @@
         <p:spPr>
           <a:xfrm>
             <a:off x="1728000" y="1080000"/>
-            <a:ext cx="6117480" cy="939960"/>
+            <a:ext cx="6117120" cy="939600"/>
           </a:xfrm>
           <a:prstGeom prst="rect">
             <a:avLst/>
@@ -4972,7 +4972,7 @@
         <p:spPr>
           <a:xfrm>
             <a:off x="504000" y="301320"/>
-            <a:ext cx="9071280" cy="849960"/>
+            <a:ext cx="9070920" cy="849600"/>
           </a:xfrm>
           <a:prstGeom prst="rect">
             <a:avLst/>
@@ -5021,7 +5021,7 @@
         <p:spPr>
           <a:xfrm>
             <a:off x="504000" y="1768680"/>
-            <a:ext cx="9071280" cy="4383360"/>
+            <a:ext cx="9070920" cy="4383000"/>
           </a:xfrm>
           <a:prstGeom prst="rect">
             <a:avLst/>
@@ -5042,7 +5042,7 @@
             <a:normAutofit/>
           </a:bodyPr>
           <a:p>
-            <a:pPr marL="432000" indent="-323280">
+            <a:pPr marL="432000" indent="-322920">
               <a:lnSpc>
                 <a:spcPct val="100000"/>
               </a:lnSpc>
@@ -5064,14 +5064,14 @@
                 <a:latin typeface="Arial"/>
                 <a:ea typeface="DejaVu Sans"/>
               </a:rPr>
-              <a:t>Micro:bit má třei tlačítka</a:t>
-            </a:r>
-            <a:endParaRPr b="0" lang="cs-CZ" sz="3200" spc="-1" strike="noStrike">
-              <a:latin typeface="Arial"/>
-            </a:endParaRPr>
-          </a:p>
-          <a:p>
-            <a:pPr lvl="1" marL="432000" indent="-215640">
+              <a:t>Micro:bit má tři tlačítka</a:t>
+            </a:r>
+            <a:endParaRPr b="0" lang="cs-CZ" sz="3200" spc="-1" strike="noStrike">
+              <a:latin typeface="Arial"/>
+            </a:endParaRPr>
+          </a:p>
+          <a:p>
+            <a:pPr lvl="1" marL="432000" indent="-215280">
               <a:lnSpc>
                 <a:spcPct val="100000"/>
               </a:lnSpc>
@@ -5093,14 +5093,14 @@
                 <a:latin typeface="Arial"/>
                 <a:ea typeface="DejaVu Sans"/>
               </a:rPr>
-              <a:t>Zepředu programovatelná tlačítka A a B</a:t>
-            </a:r>
-            <a:endParaRPr b="0" lang="cs-CZ" sz="3200" spc="-1" strike="noStrike">
-              <a:latin typeface="Arial"/>
-            </a:endParaRPr>
-          </a:p>
-          <a:p>
-            <a:pPr lvl="1" marL="432000" indent="-215640">
+              <a:t>Vepředu programovatelná tlačítka A a B</a:t>
+            </a:r>
+            <a:endParaRPr b="0" lang="cs-CZ" sz="3200" spc="-1" strike="noStrike">
+              <a:latin typeface="Arial"/>
+            </a:endParaRPr>
+          </a:p>
+          <a:p>
+            <a:pPr lvl="1" marL="432000" indent="-215280">
               <a:lnSpc>
                 <a:spcPct val="100000"/>
               </a:lnSpc>
@@ -5129,7 +5129,7 @@
             </a:endParaRPr>
           </a:p>
           <a:p>
-            <a:pPr marL="432000" indent="-323280">
+            <a:pPr marL="432000" indent="-322920">
               <a:lnSpc>
                 <a:spcPct val="100000"/>
               </a:lnSpc>
@@ -5151,7 +5151,7 @@
                 <a:latin typeface="Arial"/>
                 <a:ea typeface="DejaVu Sans"/>
               </a:rPr>
-              <a:t>Pro tlačítka A a B existují názvy button_a a button_b. </a:t>
+              <a:t>Pro tlačítka A a B jsou v MicroPythonu připravené názvy button_a a button_b. </a:t>
             </a:r>
             <a:br/>
             <a:r>
@@ -5228,7 +5228,7 @@
         <p:spPr>
           <a:xfrm>
             <a:off x="504000" y="72000"/>
-            <a:ext cx="9069120" cy="861480"/>
+            <a:ext cx="9068760" cy="861120"/>
           </a:xfrm>
           <a:prstGeom prst="rect">
             <a:avLst/>
@@ -5277,7 +5277,7 @@
         <p:spPr>
           <a:xfrm>
             <a:off x="504000" y="1769040"/>
-            <a:ext cx="9069120" cy="4382280"/>
+            <a:ext cx="9068760" cy="4381920"/>
           </a:xfrm>
           <a:prstGeom prst="rect">
             <a:avLst/>
@@ -5306,12 +5306,72 @@
             <a:r>
               <a:rPr b="0" lang="cs-CZ" sz="3200" spc="-1" strike="noStrike">
                 <a:solidFill>
-                  <a:srgbClr val="000000"/>
-                </a:solidFill>
-                <a:latin typeface="Courier New"/>
-                <a:ea typeface="DejaVu Sans"/>
-              </a:rPr>
-              <a:t>from microbit import *</a:t>
+                  <a:srgbClr val="008000"/>
+                </a:solidFill>
+                <a:latin typeface="Courier New"/>
+                <a:ea typeface="DejaVu Sans"/>
+              </a:rPr>
+              <a:t>from</a:t>
+            </a:r>
+            <a:r>
+              <a:rPr b="0" lang="cs-CZ" sz="3200" spc="-1" strike="noStrike">
+                <a:solidFill>
+                  <a:srgbClr val="000000"/>
+                </a:solidFill>
+                <a:latin typeface="Courier New"/>
+                <a:ea typeface="DejaVu Sans"/>
+              </a:rPr>
+              <a:t> </a:t>
+            </a:r>
+            <a:r>
+              <a:rPr b="0" lang="cs-CZ" sz="3200" spc="-1" strike="noStrike">
+                <a:solidFill>
+                  <a:srgbClr val="0000ff"/>
+                </a:solidFill>
+                <a:latin typeface="Courier New"/>
+                <a:ea typeface="DejaVu Sans"/>
+              </a:rPr>
+              <a:t>microbit</a:t>
+            </a:r>
+            <a:r>
+              <a:rPr b="0" lang="cs-CZ" sz="3200" spc="-1" strike="noStrike">
+                <a:solidFill>
+                  <a:srgbClr val="000000"/>
+                </a:solidFill>
+                <a:latin typeface="Courier New"/>
+                <a:ea typeface="DejaVu Sans"/>
+              </a:rPr>
+              <a:t> </a:t>
+            </a:r>
+            <a:r>
+              <a:rPr b="0" lang="cs-CZ" sz="3200" spc="-1" strike="noStrike">
+                <a:solidFill>
+                  <a:srgbClr val="008000"/>
+                </a:solidFill>
+                <a:latin typeface="Courier New"/>
+                <a:ea typeface="DejaVu Sans"/>
+              </a:rPr>
+              <a:t>import</a:t>
+            </a:r>
+            <a:r>
+              <a:rPr b="0" lang="cs-CZ" sz="3200" spc="-1" strike="noStrike">
+                <a:solidFill>
+                  <a:srgbClr val="000000"/>
+                </a:solidFill>
+                <a:latin typeface="Courier New"/>
+                <a:ea typeface="DejaVu Sans"/>
+              </a:rPr>
+              <a:t> </a:t>
+            </a:r>
+            <a:r>
+              <a:rPr b="0" lang="cs-CZ" sz="3200" spc="-1" strike="noStrike">
+                <a:solidFill>
+                  <a:srgbClr val="666666"/>
+                </a:solidFill>
+                <a:latin typeface="Courier New"/>
+                <a:ea typeface="DejaVu Sans"/>
+              </a:rPr>
+              <a:t>*</a:t>
             </a:r>
             <a:endParaRPr b="0" lang="cs-CZ" sz="3200" spc="-1" strike="noStrike">
               <a:latin typeface="Arial"/>
@@ -5326,12 +5386,42 @@
             <a:r>
               <a:rPr b="0" lang="cs-CZ" sz="3200" spc="-1" strike="noStrike">
                 <a:solidFill>
-                  <a:srgbClr val="000000"/>
-                </a:solidFill>
-                <a:latin typeface="Courier New"/>
-                <a:ea typeface="DejaVu Sans"/>
-              </a:rPr>
-              <a:t>while True:</a:t>
+                  <a:srgbClr val="008000"/>
+                </a:solidFill>
+                <a:latin typeface="Courier New"/>
+                <a:ea typeface="DejaVu Sans"/>
+              </a:rPr>
+              <a:t>while</a:t>
+            </a:r>
+            <a:r>
+              <a:rPr b="0" lang="cs-CZ" sz="3200" spc="-1" strike="noStrike">
+                <a:solidFill>
+                  <a:srgbClr val="000000"/>
+                </a:solidFill>
+                <a:latin typeface="Courier New"/>
+                <a:ea typeface="DejaVu Sans"/>
+              </a:rPr>
+              <a:t> </a:t>
+            </a:r>
+            <a:r>
+              <a:rPr b="0" lang="cs-CZ" sz="3200" spc="-1" strike="noStrike">
+                <a:solidFill>
+                  <a:srgbClr val="008000"/>
+                </a:solidFill>
+                <a:latin typeface="Courier New"/>
+                <a:ea typeface="DejaVu Sans"/>
+              </a:rPr>
+              <a:t>True</a:t>
+            </a:r>
+            <a:r>
+              <a:rPr b="0" lang="cs-CZ" sz="3200" spc="-1" strike="noStrike">
+                <a:solidFill>
+                  <a:srgbClr val="000000"/>
+                </a:solidFill>
+                <a:latin typeface="Courier New"/>
+                <a:ea typeface="DejaVu Sans"/>
+              </a:rPr>
+              <a:t>:</a:t>
             </a:r>
             <a:endParaRPr b="0" lang="cs-CZ" sz="3200" spc="-1" strike="noStrike">
               <a:latin typeface="Arial"/>
@@ -5356,12 +5446,42 @@
             <a:r>
               <a:rPr b="0" lang="cs-CZ" sz="3200" spc="-1" strike="noStrike">
                 <a:solidFill>
-                  <a:srgbClr val="000000"/>
-                </a:solidFill>
-                <a:latin typeface="Courier New"/>
-                <a:ea typeface="DejaVu Sans"/>
-              </a:rPr>
-              <a:t>if button_a.is_pressed():</a:t>
+                  <a:srgbClr val="008000"/>
+                </a:solidFill>
+                <a:latin typeface="Courier New"/>
+                <a:ea typeface="DejaVu Sans"/>
+              </a:rPr>
+              <a:t>if</a:t>
+            </a:r>
+            <a:r>
+              <a:rPr b="0" lang="cs-CZ" sz="3200" spc="-1" strike="noStrike">
+                <a:solidFill>
+                  <a:srgbClr val="000000"/>
+                </a:solidFill>
+                <a:latin typeface="Courier New"/>
+                <a:ea typeface="DejaVu Sans"/>
+              </a:rPr>
+              <a:t> button_a</a:t>
+            </a:r>
+            <a:r>
+              <a:rPr b="0" lang="cs-CZ" sz="3200" spc="-1" strike="noStrike">
+                <a:solidFill>
+                  <a:srgbClr val="666666"/>
+                </a:solidFill>
+                <a:latin typeface="Courier New"/>
+                <a:ea typeface="DejaVu Sans"/>
+              </a:rPr>
+              <a:t>.</a:t>
+            </a:r>
+            <a:r>
+              <a:rPr b="0" lang="cs-CZ" sz="3200" spc="-1" strike="noStrike">
+                <a:solidFill>
+                  <a:srgbClr val="000000"/>
+                </a:solidFill>
+                <a:latin typeface="Courier New"/>
+                <a:ea typeface="DejaVu Sans"/>
+              </a:rPr>
+              <a:t>is_pressed():</a:t>
             </a:r>
             <a:endParaRPr b="0" lang="cs-CZ" sz="3200" spc="-1" strike="noStrike">
               <a:latin typeface="Arial"/>
@@ -5391,7 +5511,47 @@
                 <a:latin typeface="Courier New"/>
                 <a:ea typeface="DejaVu Sans"/>
               </a:rPr>
-              <a:t>display.show(Image.HAPPY)</a:t>
+              <a:t>display</a:t>
+            </a:r>
+            <a:r>
+              <a:rPr b="0" lang="cs-CZ" sz="3200" spc="-1" strike="noStrike">
+                <a:solidFill>
+                  <a:srgbClr val="666666"/>
+                </a:solidFill>
+                <a:latin typeface="Courier New"/>
+                <a:ea typeface="DejaVu Sans"/>
+              </a:rPr>
+              <a:t>.</a:t>
+            </a:r>
+            <a:r>
+              <a:rPr b="0" lang="cs-CZ" sz="3200" spc="-1" strike="noStrike">
+                <a:solidFill>
+                  <a:srgbClr val="000000"/>
+                </a:solidFill>
+                <a:latin typeface="Courier New"/>
+                <a:ea typeface="DejaVu Sans"/>
+              </a:rPr>
+              <a:t>show(Image</a:t>
+            </a:r>
+            <a:r>
+              <a:rPr b="0" lang="cs-CZ" sz="3200" spc="-1" strike="noStrike">
+                <a:solidFill>
+                  <a:srgbClr val="666666"/>
+                </a:solidFill>
+                <a:latin typeface="Courier New"/>
+                <a:ea typeface="DejaVu Sans"/>
+              </a:rPr>
+              <a:t>.</a:t>
+            </a:r>
+            <a:r>
+              <a:rPr b="0" lang="cs-CZ" sz="3200" spc="-1" strike="noStrike">
+                <a:solidFill>
+                  <a:srgbClr val="000000"/>
+                </a:solidFill>
+                <a:latin typeface="Courier New"/>
+                <a:ea typeface="DejaVu Sans"/>
+              </a:rPr>
+              <a:t>HAPPY)</a:t>
             </a:r>
             <a:endParaRPr b="0" lang="cs-CZ" sz="3200" spc="-1" strike="noStrike">
               <a:latin typeface="Arial"/>
@@ -5416,12 +5576,42 @@
             <a:r>
               <a:rPr b="0" lang="cs-CZ" sz="3200" spc="-1" strike="noStrike">
                 <a:solidFill>
-                  <a:srgbClr val="000000"/>
-                </a:solidFill>
-                <a:latin typeface="Courier New"/>
-                <a:ea typeface="DejaVu Sans"/>
-              </a:rPr>
-              <a:t>if button_b.is_pressed():</a:t>
+                  <a:srgbClr val="008000"/>
+                </a:solidFill>
+                <a:latin typeface="Courier New"/>
+                <a:ea typeface="DejaVu Sans"/>
+              </a:rPr>
+              <a:t>if</a:t>
+            </a:r>
+            <a:r>
+              <a:rPr b="0" lang="cs-CZ" sz="3200" spc="-1" strike="noStrike">
+                <a:solidFill>
+                  <a:srgbClr val="000000"/>
+                </a:solidFill>
+                <a:latin typeface="Courier New"/>
+                <a:ea typeface="DejaVu Sans"/>
+              </a:rPr>
+              <a:t> button_b</a:t>
+            </a:r>
+            <a:r>
+              <a:rPr b="0" lang="cs-CZ" sz="3200" spc="-1" strike="noStrike">
+                <a:solidFill>
+                  <a:srgbClr val="666666"/>
+                </a:solidFill>
+                <a:latin typeface="Courier New"/>
+                <a:ea typeface="DejaVu Sans"/>
+              </a:rPr>
+              <a:t>.</a:t>
+            </a:r>
+            <a:r>
+              <a:rPr b="0" lang="cs-CZ" sz="3200" spc="-1" strike="noStrike">
+                <a:solidFill>
+                  <a:srgbClr val="000000"/>
+                </a:solidFill>
+                <a:latin typeface="Courier New"/>
+                <a:ea typeface="DejaVu Sans"/>
+              </a:rPr>
+              <a:t>is_pressed():</a:t>
             </a:r>
             <a:endParaRPr b="0" lang="cs-CZ" sz="3200" spc="-1" strike="noStrike">
               <a:latin typeface="Arial"/>
@@ -5451,7 +5641,47 @@
                 <a:latin typeface="Courier New"/>
                 <a:ea typeface="DejaVu Sans"/>
               </a:rPr>
-              <a:t>display.show(Image.SAD)</a:t>
+              <a:t>display</a:t>
+            </a:r>
+            <a:r>
+              <a:rPr b="0" lang="cs-CZ" sz="3200" spc="-1" strike="noStrike">
+                <a:solidFill>
+                  <a:srgbClr val="666666"/>
+                </a:solidFill>
+                <a:latin typeface="Courier New"/>
+                <a:ea typeface="DejaVu Sans"/>
+              </a:rPr>
+              <a:t>.</a:t>
+            </a:r>
+            <a:r>
+              <a:rPr b="0" lang="cs-CZ" sz="3200" spc="-1" strike="noStrike">
+                <a:solidFill>
+                  <a:srgbClr val="000000"/>
+                </a:solidFill>
+                <a:latin typeface="Courier New"/>
+                <a:ea typeface="DejaVu Sans"/>
+              </a:rPr>
+              <a:t>show(Image</a:t>
+            </a:r>
+            <a:r>
+              <a:rPr b="0" lang="cs-CZ" sz="3200" spc="-1" strike="noStrike">
+                <a:solidFill>
+                  <a:srgbClr val="666666"/>
+                </a:solidFill>
+                <a:latin typeface="Courier New"/>
+                <a:ea typeface="DejaVu Sans"/>
+              </a:rPr>
+              <a:t>.</a:t>
+            </a:r>
+            <a:r>
+              <a:rPr b="0" lang="cs-CZ" sz="3200" spc="-1" strike="noStrike">
+                <a:solidFill>
+                  <a:srgbClr val="000000"/>
+                </a:solidFill>
+                <a:latin typeface="Courier New"/>
+                <a:ea typeface="DejaVu Sans"/>
+              </a:rPr>
+              <a:t>SAD)</a:t>
             </a:r>
             <a:endParaRPr b="0" lang="cs-CZ" sz="3200" spc="-1" strike="noStrike">
               <a:latin typeface="Arial"/>
@@ -5481,7 +5711,27 @@
                 <a:latin typeface="Courier New"/>
                 <a:ea typeface="DejaVu Sans"/>
               </a:rPr>
-              <a:t>sleep(100)</a:t>
+              <a:t>sleep(</a:t>
+            </a:r>
+            <a:r>
+              <a:rPr b="0" lang="cs-CZ" sz="3200" spc="-1" strike="noStrike">
+                <a:solidFill>
+                  <a:srgbClr val="666666"/>
+                </a:solidFill>
+                <a:latin typeface="Courier New"/>
+                <a:ea typeface="DejaVu Sans"/>
+              </a:rPr>
+              <a:t>100</a:t>
+            </a:r>
+            <a:r>
+              <a:rPr b="0" lang="cs-CZ" sz="3200" spc="-1" strike="noStrike">
+                <a:solidFill>
+                  <a:srgbClr val="000000"/>
+                </a:solidFill>
+                <a:latin typeface="Courier New"/>
+                <a:ea typeface="DejaVu Sans"/>
+              </a:rPr>
+              <a:t>)</a:t>
             </a:r>
             <a:endParaRPr b="0" lang="cs-CZ" sz="3200" spc="-1" strike="noStrike">
               <a:latin typeface="Arial"/>
@@ -5511,7 +5761,27 @@
                 <a:latin typeface="Courier New"/>
                 <a:ea typeface="DejaVu Sans"/>
               </a:rPr>
-              <a:t>display.clear()</a:t>
+              <a:t>display</a:t>
+            </a:r>
+            <a:r>
+              <a:rPr b="0" lang="cs-CZ" sz="3200" spc="-1" strike="noStrike">
+                <a:solidFill>
+                  <a:srgbClr val="666666"/>
+                </a:solidFill>
+                <a:latin typeface="Courier New"/>
+                <a:ea typeface="DejaVu Sans"/>
+              </a:rPr>
+              <a:t>.</a:t>
+            </a:r>
+            <a:r>
+              <a:rPr b="0" lang="cs-CZ" sz="3200" spc="-1" strike="noStrike">
+                <a:solidFill>
+                  <a:srgbClr val="000000"/>
+                </a:solidFill>
+                <a:latin typeface="Courier New"/>
+                <a:ea typeface="DejaVu Sans"/>
+              </a:rPr>
+              <a:t>clear()</a:t>
             </a:r>
             <a:endParaRPr b="0" lang="cs-CZ" sz="3200" spc="-1" strike="noStrike">
               <a:latin typeface="Arial"/>
@@ -5577,7 +5847,7 @@
         <p:spPr>
           <a:xfrm>
             <a:off x="504000" y="72000"/>
-            <a:ext cx="9069120" cy="861480"/>
+            <a:ext cx="9068760" cy="861120"/>
           </a:xfrm>
           <a:prstGeom prst="rect">
             <a:avLst/>
@@ -5626,7 +5896,7 @@
         <p:spPr>
           <a:xfrm>
             <a:off x="504000" y="1769040"/>
-            <a:ext cx="9069120" cy="4382280"/>
+            <a:ext cx="9068760" cy="4381920"/>
           </a:xfrm>
           <a:prstGeom prst="rect">
             <a:avLst/>
@@ -5661,16 +5931,75 @@
             <a:r>
               <a:rPr b="0" lang="cs-CZ" sz="2000" spc="-1" strike="noStrike">
                 <a:solidFill>
-                  <a:srgbClr val="000000"/>
-                </a:solidFill>
-                <a:latin typeface="Courier New"/>
-                <a:ea typeface="DejaVu Sans"/>
-              </a:rPr>
-              <a:t>from microbit import *</a:t>
+                  <a:srgbClr val="008000"/>
+                </a:solidFill>
+                <a:latin typeface="Courier New"/>
+                <a:ea typeface="DejaVu Sans"/>
+              </a:rPr>
+              <a:t>from</a:t>
+            </a:r>
+            <a:r>
+              <a:rPr b="0" lang="cs-CZ" sz="2000" spc="-1" strike="noStrike">
+                <a:solidFill>
+                  <a:srgbClr val="000000"/>
+                </a:solidFill>
+                <a:latin typeface="Courier New"/>
+                <a:ea typeface="DejaVu Sans"/>
+              </a:rPr>
+              <a:t> </a:t>
+            </a:r>
+            <a:r>
+              <a:rPr b="0" lang="cs-CZ" sz="2000" spc="-1" strike="noStrike">
+                <a:solidFill>
+                  <a:srgbClr val="0000ff"/>
+                </a:solidFill>
+                <a:latin typeface="Courier New"/>
+                <a:ea typeface="DejaVu Sans"/>
+              </a:rPr>
+              <a:t>microbit</a:t>
+            </a:r>
+            <a:r>
+              <a:rPr b="0" lang="cs-CZ" sz="2000" spc="-1" strike="noStrike">
+                <a:solidFill>
+                  <a:srgbClr val="000000"/>
+                </a:solidFill>
+                <a:latin typeface="Courier New"/>
+                <a:ea typeface="DejaVu Sans"/>
+              </a:rPr>
+              <a:t> </a:t>
+            </a:r>
+            <a:r>
+              <a:rPr b="0" lang="cs-CZ" sz="2000" spc="-1" strike="noStrike">
+                <a:solidFill>
+                  <a:srgbClr val="008000"/>
+                </a:solidFill>
+                <a:latin typeface="Courier New"/>
+                <a:ea typeface="DejaVu Sans"/>
+              </a:rPr>
+              <a:t>import</a:t>
+            </a:r>
+            <a:r>
+              <a:rPr b="0" lang="cs-CZ" sz="2000" spc="-1" strike="noStrike">
+                <a:solidFill>
+                  <a:srgbClr val="000000"/>
+                </a:solidFill>
+                <a:latin typeface="Courier New"/>
+                <a:ea typeface="DejaVu Sans"/>
+              </a:rPr>
+              <a:t> </a:t>
+            </a:r>
+            <a:r>
+              <a:rPr b="0" lang="cs-CZ" sz="2000" spc="-1" strike="noStrike">
+                <a:solidFill>
+                  <a:srgbClr val="666666"/>
+                </a:solidFill>
+                <a:latin typeface="Courier New"/>
+                <a:ea typeface="DejaVu Sans"/>
+              </a:rPr>
+              <a:t>*</a:t>
             </a:r>
             <a:endParaRPr b="0" lang="cs-CZ" sz="2000" spc="-1" strike="noStrike">
-              <a:latin typeface="Courier New"/>
-              <a:ea typeface="Noto Sans CJK SC Regular"/>
+              <a:latin typeface="Arial"/>
             </a:endParaRPr>
           </a:p>
           <a:p>
@@ -5685,9 +6014,48 @@
                 <a:spcPts val="283"/>
               </a:spcAft>
             </a:pPr>
+            <a:r>
+              <a:rPr b="0" lang="cs-CZ" sz="2000" spc="-1" strike="noStrike">
+                <a:solidFill>
+                  <a:srgbClr val="008000"/>
+                </a:solidFill>
+                <a:latin typeface="Courier New"/>
+                <a:ea typeface="DejaVu Sans"/>
+              </a:rPr>
+              <a:t>while</a:t>
+            </a:r>
+            <a:r>
+              <a:rPr b="0" lang="cs-CZ" sz="2000" spc="-1" strike="noStrike">
+                <a:solidFill>
+                  <a:srgbClr val="000000"/>
+                </a:solidFill>
+                <a:latin typeface="Courier New"/>
+                <a:ea typeface="DejaVu Sans"/>
+              </a:rPr>
+              <a:t> </a:t>
+            </a:r>
+            <a:r>
+              <a:rPr b="0" lang="cs-CZ" sz="2000" spc="-1" strike="noStrike">
+                <a:solidFill>
+                  <a:srgbClr val="008000"/>
+                </a:solidFill>
+                <a:latin typeface="Courier New"/>
+                <a:ea typeface="DejaVu Sans"/>
+              </a:rPr>
+              <a:t>True</a:t>
+            </a:r>
+            <a:r>
+              <a:rPr b="0" lang="cs-CZ" sz="2000" spc="-1" strike="noStrike">
+                <a:solidFill>
+                  <a:srgbClr val="000000"/>
+                </a:solidFill>
+                <a:latin typeface="Courier New"/>
+                <a:ea typeface="DejaVu Sans"/>
+              </a:rPr>
+              <a:t>:</a:t>
+            </a:r>
             <a:endParaRPr b="0" lang="cs-CZ" sz="2000" spc="-1" strike="noStrike">
-              <a:latin typeface="Courier New"/>
-              <a:ea typeface="Noto Sans CJK SC Regular"/>
+              <a:latin typeface="Arial"/>
             </a:endParaRPr>
           </a:p>
           <a:p>
@@ -5710,11 +6078,80 @@
                 <a:latin typeface="Courier New"/>
                 <a:ea typeface="DejaVu Sans"/>
               </a:rPr>
-              <a:t>while True:</a:t>
+              <a:t>    </a:t>
+            </a:r>
+            <a:r>
+              <a:rPr b="0" lang="cs-CZ" sz="2000" spc="-1" strike="noStrike">
+                <a:solidFill>
+                  <a:srgbClr val="000000"/>
+                </a:solidFill>
+                <a:latin typeface="Courier New"/>
+                <a:ea typeface="DejaVu Sans"/>
+              </a:rPr>
+              <a:t>If (button_a</a:t>
+            </a:r>
+            <a:r>
+              <a:rPr b="0" lang="cs-CZ" sz="2000" spc="-1" strike="noStrike">
+                <a:solidFill>
+                  <a:srgbClr val="666666"/>
+                </a:solidFill>
+                <a:latin typeface="Courier New"/>
+                <a:ea typeface="DejaVu Sans"/>
+              </a:rPr>
+              <a:t>.</a:t>
+            </a:r>
+            <a:r>
+              <a:rPr b="0" lang="cs-CZ" sz="2000" spc="-1" strike="noStrike">
+                <a:solidFill>
+                  <a:srgbClr val="000000"/>
+                </a:solidFill>
+                <a:latin typeface="Courier New"/>
+                <a:ea typeface="DejaVu Sans"/>
+              </a:rPr>
+              <a:t>is_pressed())</a:t>
+            </a:r>
+            <a:r>
+              <a:rPr b="0" lang="cs-CZ" sz="2000" spc="-1" strike="noStrike">
+                <a:solidFill>
+                  <a:srgbClr val="aa22ff"/>
+                </a:solidFill>
+                <a:latin typeface="Courier New"/>
+                <a:ea typeface="DejaVu Sans"/>
+              </a:rPr>
+              <a:t>and</a:t>
+            </a:r>
+            <a:r>
+              <a:rPr b="0" lang="cs-CZ" sz="2000" spc="-1" strike="noStrike">
+                <a:solidFill>
+                  <a:srgbClr val="000000"/>
+                </a:solidFill>
+                <a:latin typeface="Courier New"/>
+                <a:ea typeface="DejaVu Sans"/>
+              </a:rPr>
+              <a:t>(button_b</a:t>
+            </a:r>
+            <a:r>
+              <a:rPr b="0" lang="cs-CZ" sz="2000" spc="-1" strike="noStrike">
+                <a:solidFill>
+                  <a:srgbClr val="666666"/>
+                </a:solidFill>
+                <a:latin typeface="Courier New"/>
+                <a:ea typeface="DejaVu Sans"/>
+              </a:rPr>
+              <a:t>.</a:t>
+            </a:r>
+            <a:r>
+              <a:rPr b="0" lang="cs-CZ" sz="2000" spc="-1" strike="noStrike">
+                <a:solidFill>
+                  <a:srgbClr val="000000"/>
+                </a:solidFill>
+                <a:latin typeface="Courier New"/>
+                <a:ea typeface="DejaVu Sans"/>
+              </a:rPr>
+              <a:t>is_pressed()):</a:t>
             </a:r>
             <a:endParaRPr b="0" lang="cs-CZ" sz="2000" spc="-1" strike="noStrike">
-              <a:latin typeface="Courier New"/>
-              <a:ea typeface="Noto Sans CJK SC Regular"/>
+              <a:latin typeface="Arial"/>
             </a:endParaRPr>
           </a:p>
           <a:p>
@@ -5737,7 +6174,7 @@
                 <a:latin typeface="Courier New"/>
                 <a:ea typeface="DejaVu Sans"/>
               </a:rPr>
-              <a:t>    </a:t>
+              <a:t>        </a:t>
             </a:r>
             <a:r>
               <a:rPr b="0" lang="cs-CZ" sz="2000" spc="-1" strike="noStrike">
@@ -5747,11 +6184,50 @@
                 <a:latin typeface="Courier New"/>
                 <a:ea typeface="DejaVu Sans"/>
               </a:rPr>
-              <a:t>If (button_a.is_pressed())and(button_b.is_pressed()):</a:t>
+              <a:t>display</a:t>
+            </a:r>
+            <a:r>
+              <a:rPr b="0" lang="cs-CZ" sz="2000" spc="-1" strike="noStrike">
+                <a:solidFill>
+                  <a:srgbClr val="666666"/>
+                </a:solidFill>
+                <a:latin typeface="Courier New"/>
+                <a:ea typeface="DejaVu Sans"/>
+              </a:rPr>
+              <a:t>.</a:t>
+            </a:r>
+            <a:r>
+              <a:rPr b="0" lang="cs-CZ" sz="2000" spc="-1" strike="noStrike">
+                <a:solidFill>
+                  <a:srgbClr val="000000"/>
+                </a:solidFill>
+                <a:latin typeface="Courier New"/>
+                <a:ea typeface="DejaVu Sans"/>
+              </a:rPr>
+              <a:t>show(Image</a:t>
+            </a:r>
+            <a:r>
+              <a:rPr b="0" lang="cs-CZ" sz="2000" spc="-1" strike="noStrike">
+                <a:solidFill>
+                  <a:srgbClr val="666666"/>
+                </a:solidFill>
+                <a:latin typeface="Courier New"/>
+                <a:ea typeface="DejaVu Sans"/>
+              </a:rPr>
+              <a:t>.</a:t>
+            </a:r>
+            <a:r>
+              <a:rPr b="0" lang="cs-CZ" sz="2000" spc="-1" strike="noStrike">
+                <a:solidFill>
+                  <a:srgbClr val="000000"/>
+                </a:solidFill>
+                <a:latin typeface="Courier New"/>
+                <a:ea typeface="DejaVu Sans"/>
+              </a:rPr>
+              <a:t>HEART)</a:t>
             </a:r>
             <a:endParaRPr b="0" lang="cs-CZ" sz="2000" spc="-1" strike="noStrike">
-              <a:latin typeface="Courier New"/>
-              <a:ea typeface="Noto Sans CJK SC Regular"/>
+              <a:latin typeface="Arial"/>
             </a:endParaRPr>
           </a:p>
           <a:p>
@@ -5774,7 +6250,7 @@
                 <a:latin typeface="Courier New"/>
                 <a:ea typeface="DejaVu Sans"/>
               </a:rPr>
-              <a:t>        </a:t>
+              <a:t>    </a:t>
             </a:r>
             <a:r>
               <a:rPr b="0" lang="cs-CZ" sz="2000" spc="-1" strike="noStrike">
@@ -5784,11 +6260,30 @@
                 <a:latin typeface="Courier New"/>
                 <a:ea typeface="DejaVu Sans"/>
               </a:rPr>
-              <a:t>display.show(Image.HEART)</a:t>
+              <a:t>sleep(</a:t>
+            </a:r>
+            <a:r>
+              <a:rPr b="0" lang="cs-CZ" sz="2000" spc="-1" strike="noStrike">
+                <a:solidFill>
+                  <a:srgbClr val="666666"/>
+                </a:solidFill>
+                <a:latin typeface="Courier New"/>
+                <a:ea typeface="DejaVu Sans"/>
+              </a:rPr>
+              <a:t>100</a:t>
+            </a:r>
+            <a:r>
+              <a:rPr b="0" lang="cs-CZ" sz="2000" spc="-1" strike="noStrike">
+                <a:solidFill>
+                  <a:srgbClr val="000000"/>
+                </a:solidFill>
+                <a:latin typeface="Courier New"/>
+                <a:ea typeface="DejaVu Sans"/>
+              </a:rPr>
+              <a:t>)</a:t>
             </a:r>
             <a:endParaRPr b="0" lang="cs-CZ" sz="2000" spc="-1" strike="noStrike">
-              <a:latin typeface="Courier New"/>
-              <a:ea typeface="Noto Sans CJK SC Regular"/>
+              <a:latin typeface="Arial"/>
             </a:endParaRPr>
           </a:p>
           <a:p>
@@ -5821,48 +6316,30 @@
                 <a:latin typeface="Courier New"/>
                 <a:ea typeface="DejaVu Sans"/>
               </a:rPr>
-              <a:t>sleep(100)</a:t>
+              <a:t>display</a:t>
+            </a:r>
+            <a:r>
+              <a:rPr b="0" lang="cs-CZ" sz="2000" spc="-1" strike="noStrike">
+                <a:solidFill>
+                  <a:srgbClr val="666666"/>
+                </a:solidFill>
+                <a:latin typeface="Courier New"/>
+                <a:ea typeface="DejaVu Sans"/>
+              </a:rPr>
+              <a:t>.</a:t>
+            </a:r>
+            <a:r>
+              <a:rPr b="0" lang="cs-CZ" sz="2000" spc="-1" strike="noStrike">
+                <a:solidFill>
+                  <a:srgbClr val="000000"/>
+                </a:solidFill>
+                <a:latin typeface="Courier New"/>
+                <a:ea typeface="DejaVu Sans"/>
+              </a:rPr>
+              <a:t>clear()</a:t>
             </a:r>
             <a:endParaRPr b="0" lang="cs-CZ" sz="2000" spc="-1" strike="noStrike">
-              <a:latin typeface="Courier New"/>
-              <a:ea typeface="Noto Sans CJK SC Regular"/>
-            </a:endParaRPr>
-          </a:p>
-          <a:p>
-            <a:pPr>
-              <a:lnSpc>
-                <a:spcPct val="100000"/>
-              </a:lnSpc>
-              <a:spcBef>
-                <a:spcPts val="283"/>
-              </a:spcBef>
-              <a:spcAft>
-                <a:spcPts val="283"/>
-              </a:spcAft>
-            </a:pPr>
-            <a:r>
-              <a:rPr b="0" lang="cs-CZ" sz="2000" spc="-1" strike="noStrike">
-                <a:solidFill>
-                  <a:srgbClr val="000000"/>
-                </a:solidFill>
-                <a:latin typeface="Courier New"/>
-                <a:ea typeface="DejaVu Sans"/>
-              </a:rPr>
-              <a:t>    </a:t>
-            </a:r>
-            <a:r>
-              <a:rPr b="0" lang="cs-CZ" sz="2000" spc="-1" strike="noStrike">
-                <a:solidFill>
-                  <a:srgbClr val="000000"/>
-                </a:solidFill>
-                <a:latin typeface="Courier New"/>
-                <a:ea typeface="DejaVu Sans"/>
-              </a:rPr>
-              <a:t>display.clear()</a:t>
-            </a:r>
-            <a:endParaRPr b="0" lang="cs-CZ" sz="2000" spc="-1" strike="noStrike">
-              <a:latin typeface="Courier New"/>
-              <a:ea typeface="Noto Sans CJK SC Regular"/>
+              <a:latin typeface="Arial"/>
             </a:endParaRPr>
           </a:p>
         </p:txBody>
@@ -5925,7 +6402,7 @@
         <p:spPr>
           <a:xfrm>
             <a:off x="504000" y="72000"/>
-            <a:ext cx="9069120" cy="861480"/>
+            <a:ext cx="9068760" cy="861120"/>
           </a:xfrm>
           <a:prstGeom prst="rect">
             <a:avLst/>
@@ -5974,7 +6451,7 @@
         <p:spPr>
           <a:xfrm>
             <a:off x="504000" y="1769040"/>
-            <a:ext cx="9069120" cy="4382280"/>
+            <a:ext cx="9068760" cy="4381920"/>
           </a:xfrm>
           <a:prstGeom prst="rect">
             <a:avLst/>
@@ -6009,16 +6486,75 @@
             <a:r>
               <a:rPr b="0" lang="cs-CZ" sz="2000" spc="-1" strike="noStrike">
                 <a:solidFill>
-                  <a:srgbClr val="000000"/>
-                </a:solidFill>
-                <a:latin typeface="Courier New"/>
-                <a:ea typeface="DejaVu Sans"/>
-              </a:rPr>
-              <a:t>from microbit import *</a:t>
+                  <a:srgbClr val="008000"/>
+                </a:solidFill>
+                <a:latin typeface="Courier New"/>
+                <a:ea typeface="DejaVu Sans"/>
+              </a:rPr>
+              <a:t>from</a:t>
+            </a:r>
+            <a:r>
+              <a:rPr b="0" lang="cs-CZ" sz="2000" spc="-1" strike="noStrike">
+                <a:solidFill>
+                  <a:srgbClr val="000000"/>
+                </a:solidFill>
+                <a:latin typeface="Courier New"/>
+                <a:ea typeface="DejaVu Sans"/>
+              </a:rPr>
+              <a:t> </a:t>
+            </a:r>
+            <a:r>
+              <a:rPr b="0" lang="cs-CZ" sz="2000" spc="-1" strike="noStrike">
+                <a:solidFill>
+                  <a:srgbClr val="0000ff"/>
+                </a:solidFill>
+                <a:latin typeface="Courier New"/>
+                <a:ea typeface="DejaVu Sans"/>
+              </a:rPr>
+              <a:t>microbit</a:t>
+            </a:r>
+            <a:r>
+              <a:rPr b="0" lang="cs-CZ" sz="2000" spc="-1" strike="noStrike">
+                <a:solidFill>
+                  <a:srgbClr val="000000"/>
+                </a:solidFill>
+                <a:latin typeface="Courier New"/>
+                <a:ea typeface="DejaVu Sans"/>
+              </a:rPr>
+              <a:t> </a:t>
+            </a:r>
+            <a:r>
+              <a:rPr b="0" lang="cs-CZ" sz="2000" spc="-1" strike="noStrike">
+                <a:solidFill>
+                  <a:srgbClr val="008000"/>
+                </a:solidFill>
+                <a:latin typeface="Courier New"/>
+                <a:ea typeface="DejaVu Sans"/>
+              </a:rPr>
+              <a:t>import</a:t>
+            </a:r>
+            <a:r>
+              <a:rPr b="0" lang="cs-CZ" sz="2000" spc="-1" strike="noStrike">
+                <a:solidFill>
+                  <a:srgbClr val="000000"/>
+                </a:solidFill>
+                <a:latin typeface="Courier New"/>
+                <a:ea typeface="DejaVu Sans"/>
+              </a:rPr>
+              <a:t> </a:t>
+            </a:r>
+            <a:r>
+              <a:rPr b="0" lang="cs-CZ" sz="2000" spc="-1" strike="noStrike">
+                <a:solidFill>
+                  <a:srgbClr val="666666"/>
+                </a:solidFill>
+                <a:latin typeface="Courier New"/>
+                <a:ea typeface="DejaVu Sans"/>
+              </a:rPr>
+              <a:t>*</a:t>
             </a:r>
             <a:endParaRPr b="0" lang="cs-CZ" sz="2000" spc="-1" strike="noStrike">
-              <a:latin typeface="Courier New"/>
-              <a:ea typeface="Noto Sans CJK SC Regular"/>
+              <a:latin typeface="Arial"/>
             </a:endParaRPr>
           </a:p>
           <a:p>
@@ -6034,8 +6570,7 @@
               </a:spcAft>
             </a:pPr>
             <a:endParaRPr b="0" lang="cs-CZ" sz="2000" spc="-1" strike="noStrike">
-              <a:latin typeface="Courier New"/>
-              <a:ea typeface="Noto Sans CJK SC Regular"/>
+              <a:latin typeface="Arial"/>
             </a:endParaRPr>
           </a:p>
           <a:p>
@@ -6053,16 +6588,45 @@
             <a:r>
               <a:rPr b="0" lang="cs-CZ" sz="2000" spc="-1" strike="noStrike">
                 <a:solidFill>
-                  <a:srgbClr val="000000"/>
-                </a:solidFill>
-                <a:latin typeface="Courier New"/>
-                <a:ea typeface="DejaVu Sans"/>
-              </a:rPr>
-              <a:t>while True:</a:t>
+                  <a:srgbClr val="008000"/>
+                </a:solidFill>
+                <a:latin typeface="Courier New"/>
+                <a:ea typeface="DejaVu Sans"/>
+              </a:rPr>
+              <a:t>while</a:t>
+            </a:r>
+            <a:r>
+              <a:rPr b="0" lang="cs-CZ" sz="2000" spc="-1" strike="noStrike">
+                <a:solidFill>
+                  <a:srgbClr val="000000"/>
+                </a:solidFill>
+                <a:latin typeface="Courier New"/>
+                <a:ea typeface="DejaVu Sans"/>
+              </a:rPr>
+              <a:t> </a:t>
+            </a:r>
+            <a:r>
+              <a:rPr b="0" lang="cs-CZ" sz="2000" spc="-1" strike="noStrike">
+                <a:solidFill>
+                  <a:srgbClr val="008000"/>
+                </a:solidFill>
+                <a:latin typeface="Courier New"/>
+                <a:ea typeface="DejaVu Sans"/>
+              </a:rPr>
+              <a:t>True</a:t>
+            </a:r>
+            <a:r>
+              <a:rPr b="0" lang="cs-CZ" sz="2000" spc="-1" strike="noStrike">
+                <a:solidFill>
+                  <a:srgbClr val="000000"/>
+                </a:solidFill>
+                <a:latin typeface="Courier New"/>
+                <a:ea typeface="DejaVu Sans"/>
+              </a:rPr>
+              <a:t>:</a:t>
             </a:r>
             <a:endParaRPr b="0" lang="cs-CZ" sz="2000" spc="-1" strike="noStrike">
-              <a:latin typeface="Courier New"/>
-              <a:ea typeface="Noto Sans CJK SC Regular"/>
+              <a:latin typeface="Arial"/>
             </a:endParaRPr>
           </a:p>
           <a:p>
@@ -6090,16 +6654,85 @@
             <a:r>
               <a:rPr b="0" lang="cs-CZ" sz="2000" spc="-1" strike="noStrike">
                 <a:solidFill>
-                  <a:srgbClr val="000000"/>
-                </a:solidFill>
-                <a:latin typeface="Courier New"/>
-                <a:ea typeface="DejaVu Sans"/>
-              </a:rPr>
-              <a:t>if (button_a.is_pressed())or(button_b.is_pressed()):</a:t>
+                  <a:srgbClr val="008000"/>
+                </a:solidFill>
+                <a:latin typeface="Courier New"/>
+                <a:ea typeface="DejaVu Sans"/>
+              </a:rPr>
+              <a:t>if</a:t>
+            </a:r>
+            <a:r>
+              <a:rPr b="0" lang="cs-CZ" sz="2000" spc="-1" strike="noStrike">
+                <a:solidFill>
+                  <a:srgbClr val="000000"/>
+                </a:solidFill>
+                <a:latin typeface="Courier New"/>
+                <a:ea typeface="DejaVu Sans"/>
+              </a:rPr>
+              <a:t> (button_a</a:t>
+            </a:r>
+            <a:r>
+              <a:rPr b="0" lang="cs-CZ" sz="2000" spc="-1" strike="noStrike">
+                <a:solidFill>
+                  <a:srgbClr val="666666"/>
+                </a:solidFill>
+                <a:latin typeface="Courier New"/>
+                <a:ea typeface="DejaVu Sans"/>
+              </a:rPr>
+              <a:t>.</a:t>
+            </a:r>
+            <a:r>
+              <a:rPr b="0" lang="cs-CZ" sz="2000" spc="-1" strike="noStrike">
+                <a:solidFill>
+                  <a:srgbClr val="000000"/>
+                </a:solidFill>
+                <a:latin typeface="Courier New"/>
+                <a:ea typeface="DejaVu Sans"/>
+              </a:rPr>
+              <a:t>is_pressed())</a:t>
+            </a:r>
+            <a:r>
+              <a:rPr b="0" lang="cs-CZ" sz="2000" spc="-1" strike="noStrike">
+                <a:solidFill>
+                  <a:srgbClr val="aa22ff"/>
+                </a:solidFill>
+                <a:latin typeface="Courier New"/>
+                <a:ea typeface="DejaVu Sans"/>
+              </a:rPr>
+              <a:t>or</a:t>
+            </a:r>
+            <a:r>
+              <a:rPr b="0" lang="cs-CZ" sz="2000" spc="-1" strike="noStrike">
+                <a:solidFill>
+                  <a:srgbClr val="000000"/>
+                </a:solidFill>
+                <a:latin typeface="Courier New"/>
+                <a:ea typeface="DejaVu Sans"/>
+              </a:rPr>
+              <a:t>(button_b</a:t>
+            </a:r>
+            <a:r>
+              <a:rPr b="0" lang="cs-CZ" sz="2000" spc="-1" strike="noStrike">
+                <a:solidFill>
+                  <a:srgbClr val="666666"/>
+                </a:solidFill>
+                <a:latin typeface="Courier New"/>
+                <a:ea typeface="DejaVu Sans"/>
+              </a:rPr>
+              <a:t>.</a:t>
+            </a:r>
+            <a:r>
+              <a:rPr b="0" lang="cs-CZ" sz="2000" spc="-1" strike="noStrike">
+                <a:solidFill>
+                  <a:srgbClr val="000000"/>
+                </a:solidFill>
+                <a:latin typeface="Courier New"/>
+                <a:ea typeface="DejaVu Sans"/>
+              </a:rPr>
+              <a:t>is_pressed()):</a:t>
             </a:r>
             <a:endParaRPr b="0" lang="cs-CZ" sz="2000" spc="-1" strike="noStrike">
-              <a:latin typeface="Courier New"/>
-              <a:ea typeface="Noto Sans CJK SC Regular"/>
+              <a:latin typeface="Arial"/>
             </a:endParaRPr>
           </a:p>
           <a:p>
@@ -6132,11 +6765,50 @@
                 <a:latin typeface="Courier New"/>
                 <a:ea typeface="DejaVu Sans"/>
               </a:rPr>
-              <a:t>display.show(Image.HEART)</a:t>
+              <a:t>display</a:t>
+            </a:r>
+            <a:r>
+              <a:rPr b="0" lang="cs-CZ" sz="2000" spc="-1" strike="noStrike">
+                <a:solidFill>
+                  <a:srgbClr val="666666"/>
+                </a:solidFill>
+                <a:latin typeface="Courier New"/>
+                <a:ea typeface="DejaVu Sans"/>
+              </a:rPr>
+              <a:t>.</a:t>
+            </a:r>
+            <a:r>
+              <a:rPr b="0" lang="cs-CZ" sz="2000" spc="-1" strike="noStrike">
+                <a:solidFill>
+                  <a:srgbClr val="000000"/>
+                </a:solidFill>
+                <a:latin typeface="Courier New"/>
+                <a:ea typeface="DejaVu Sans"/>
+              </a:rPr>
+              <a:t>show(Image</a:t>
+            </a:r>
+            <a:r>
+              <a:rPr b="0" lang="cs-CZ" sz="2000" spc="-1" strike="noStrike">
+                <a:solidFill>
+                  <a:srgbClr val="666666"/>
+                </a:solidFill>
+                <a:latin typeface="Courier New"/>
+                <a:ea typeface="DejaVu Sans"/>
+              </a:rPr>
+              <a:t>.</a:t>
+            </a:r>
+            <a:r>
+              <a:rPr b="0" lang="cs-CZ" sz="2000" spc="-1" strike="noStrike">
+                <a:solidFill>
+                  <a:srgbClr val="000000"/>
+                </a:solidFill>
+                <a:latin typeface="Courier New"/>
+                <a:ea typeface="DejaVu Sans"/>
+              </a:rPr>
+              <a:t>HEART)</a:t>
             </a:r>
             <a:endParaRPr b="0" lang="cs-CZ" sz="2000" spc="-1" strike="noStrike">
-              <a:latin typeface="Courier New"/>
-              <a:ea typeface="Noto Sans CJK SC Regular"/>
+              <a:latin typeface="Arial"/>
             </a:endParaRPr>
           </a:p>
           <a:p>
@@ -6169,11 +6841,30 @@
                 <a:latin typeface="Courier New"/>
                 <a:ea typeface="DejaVu Sans"/>
               </a:rPr>
-              <a:t>sleep(100)</a:t>
+              <a:t>sleep(</a:t>
+            </a:r>
+            <a:r>
+              <a:rPr b="0" lang="cs-CZ" sz="2000" spc="-1" strike="noStrike">
+                <a:solidFill>
+                  <a:srgbClr val="666666"/>
+                </a:solidFill>
+                <a:latin typeface="Courier New"/>
+                <a:ea typeface="DejaVu Sans"/>
+              </a:rPr>
+              <a:t>100</a:t>
+            </a:r>
+            <a:r>
+              <a:rPr b="0" lang="cs-CZ" sz="2000" spc="-1" strike="noStrike">
+                <a:solidFill>
+                  <a:srgbClr val="000000"/>
+                </a:solidFill>
+                <a:latin typeface="Courier New"/>
+                <a:ea typeface="DejaVu Sans"/>
+              </a:rPr>
+              <a:t>)</a:t>
             </a:r>
             <a:endParaRPr b="0" lang="cs-CZ" sz="2000" spc="-1" strike="noStrike">
-              <a:latin typeface="Courier New"/>
-              <a:ea typeface="Noto Sans CJK SC Regular"/>
+              <a:latin typeface="Arial"/>
             </a:endParaRPr>
           </a:p>
           <a:p>
@@ -6206,11 +6897,30 @@
                 <a:latin typeface="Courier New"/>
                 <a:ea typeface="DejaVu Sans"/>
               </a:rPr>
-              <a:t>display.clear()</a:t>
+              <a:t>display</a:t>
+            </a:r>
+            <a:r>
+              <a:rPr b="0" lang="cs-CZ" sz="2000" spc="-1" strike="noStrike">
+                <a:solidFill>
+                  <a:srgbClr val="666666"/>
+                </a:solidFill>
+                <a:latin typeface="Courier New"/>
+                <a:ea typeface="DejaVu Sans"/>
+              </a:rPr>
+              <a:t>.</a:t>
+            </a:r>
+            <a:r>
+              <a:rPr b="0" lang="cs-CZ" sz="2000" spc="-1" strike="noStrike">
+                <a:solidFill>
+                  <a:srgbClr val="000000"/>
+                </a:solidFill>
+                <a:latin typeface="Courier New"/>
+                <a:ea typeface="DejaVu Sans"/>
+              </a:rPr>
+              <a:t>clear()</a:t>
             </a:r>
             <a:endParaRPr b="0" lang="cs-CZ" sz="2000" spc="-1" strike="noStrike">
-              <a:latin typeface="Courier New"/>
-              <a:ea typeface="Noto Sans CJK SC Regular"/>
+              <a:latin typeface="Arial"/>
             </a:endParaRPr>
           </a:p>
         </p:txBody>
@@ -6273,7 +6983,7 @@
         <p:spPr>
           <a:xfrm>
             <a:off x="504000" y="72000"/>
-            <a:ext cx="9069120" cy="861480"/>
+            <a:ext cx="9068760" cy="861120"/>
           </a:xfrm>
           <a:prstGeom prst="rect">
             <a:avLst/>
@@ -6322,7 +7032,7 @@
         <p:spPr>
           <a:xfrm>
             <a:off x="504000" y="1769040"/>
-            <a:ext cx="9069120" cy="4382280"/>
+            <a:ext cx="9068760" cy="4381920"/>
           </a:xfrm>
           <a:prstGeom prst="rect">
             <a:avLst/>
@@ -6351,12 +7061,72 @@
             <a:r>
               <a:rPr b="0" lang="cs-CZ" sz="2800" spc="-1" strike="noStrike">
                 <a:solidFill>
-                  <a:srgbClr val="000000"/>
-                </a:solidFill>
-                <a:latin typeface="Courier New"/>
-                <a:ea typeface="DejaVu Sans"/>
-              </a:rPr>
-              <a:t>from microbit import *</a:t>
+                  <a:srgbClr val="008000"/>
+                </a:solidFill>
+                <a:latin typeface="Courier New"/>
+                <a:ea typeface="DejaVu Sans"/>
+              </a:rPr>
+              <a:t>from</a:t>
+            </a:r>
+            <a:r>
+              <a:rPr b="0" lang="cs-CZ" sz="2800" spc="-1" strike="noStrike">
+                <a:solidFill>
+                  <a:srgbClr val="000000"/>
+                </a:solidFill>
+                <a:latin typeface="Courier New"/>
+                <a:ea typeface="DejaVu Sans"/>
+              </a:rPr>
+              <a:t> </a:t>
+            </a:r>
+            <a:r>
+              <a:rPr b="0" lang="cs-CZ" sz="2800" spc="-1" strike="noStrike">
+                <a:solidFill>
+                  <a:srgbClr val="0000ff"/>
+                </a:solidFill>
+                <a:latin typeface="Courier New"/>
+                <a:ea typeface="DejaVu Sans"/>
+              </a:rPr>
+              <a:t>microbit</a:t>
+            </a:r>
+            <a:r>
+              <a:rPr b="0" lang="cs-CZ" sz="2800" spc="-1" strike="noStrike">
+                <a:solidFill>
+                  <a:srgbClr val="000000"/>
+                </a:solidFill>
+                <a:latin typeface="Courier New"/>
+                <a:ea typeface="DejaVu Sans"/>
+              </a:rPr>
+              <a:t> </a:t>
+            </a:r>
+            <a:r>
+              <a:rPr b="0" lang="cs-CZ" sz="2800" spc="-1" strike="noStrike">
+                <a:solidFill>
+                  <a:srgbClr val="008000"/>
+                </a:solidFill>
+                <a:latin typeface="Courier New"/>
+                <a:ea typeface="DejaVu Sans"/>
+              </a:rPr>
+              <a:t>import</a:t>
+            </a:r>
+            <a:r>
+              <a:rPr b="0" lang="cs-CZ" sz="2800" spc="-1" strike="noStrike">
+                <a:solidFill>
+                  <a:srgbClr val="000000"/>
+                </a:solidFill>
+                <a:latin typeface="Courier New"/>
+                <a:ea typeface="DejaVu Sans"/>
+              </a:rPr>
+              <a:t> </a:t>
+            </a:r>
+            <a:r>
+              <a:rPr b="0" lang="cs-CZ" sz="2800" spc="-1" strike="noStrike">
+                <a:solidFill>
+                  <a:srgbClr val="666666"/>
+                </a:solidFill>
+                <a:latin typeface="Courier New"/>
+                <a:ea typeface="DejaVu Sans"/>
+              </a:rPr>
+              <a:t>*</a:t>
             </a:r>
             <a:endParaRPr b="0" lang="cs-CZ" sz="2800" spc="-1" strike="noStrike">
               <a:latin typeface="Arial"/>
@@ -6368,6 +7138,36 @@
                 <a:spcPct val="100000"/>
               </a:lnSpc>
             </a:pPr>
+            <a:r>
+              <a:rPr b="0" lang="cs-CZ" sz="2800" spc="-1" strike="noStrike">
+                <a:solidFill>
+                  <a:srgbClr val="000000"/>
+                </a:solidFill>
+                <a:latin typeface="Courier New"/>
+                <a:ea typeface="DejaVu Sans"/>
+              </a:rPr>
+              <a:t>sleep(</a:t>
+            </a:r>
+            <a:r>
+              <a:rPr b="0" lang="cs-CZ" sz="2800" spc="-1" strike="noStrike">
+                <a:solidFill>
+                  <a:srgbClr val="666666"/>
+                </a:solidFill>
+                <a:latin typeface="Courier New"/>
+                <a:ea typeface="DejaVu Sans"/>
+              </a:rPr>
+              <a:t>10000</a:t>
+            </a:r>
+            <a:r>
+              <a:rPr b="0" lang="cs-CZ" sz="2800" spc="-1" strike="noStrike">
+                <a:solidFill>
+                  <a:srgbClr val="000000"/>
+                </a:solidFill>
+                <a:latin typeface="Courier New"/>
+                <a:ea typeface="DejaVu Sans"/>
+              </a:rPr>
+              <a:t>)</a:t>
+            </a:r>
             <a:endParaRPr b="0" lang="cs-CZ" sz="2800" spc="-1" strike="noStrike">
               <a:latin typeface="Arial"/>
             </a:endParaRPr>
@@ -6386,27 +7186,47 @@
                 <a:latin typeface="Courier New"/>
                 <a:ea typeface="DejaVu Sans"/>
               </a:rPr>
-              <a:t>sleep(10000)</a:t>
-            </a:r>
-            <a:endParaRPr b="0" lang="cs-CZ" sz="2800" spc="-1" strike="noStrike">
-              <a:latin typeface="Arial"/>
-            </a:endParaRPr>
-          </a:p>
-          <a:p>
-            <a:pPr>
-              <a:lnSpc>
-                <a:spcPct val="100000"/>
-              </a:lnSpc>
-            </a:pPr>
+              <a:t>display</a:t>
+            </a:r>
             <a:r>
               <a:rPr b="0" lang="cs-CZ" sz="2800" spc="-1" strike="noStrike">
                 <a:solidFill>
-                  <a:srgbClr val="000000"/>
-                </a:solidFill>
-                <a:latin typeface="Courier New"/>
-                <a:ea typeface="DejaVu Sans"/>
-              </a:rPr>
-              <a:t>display.show(str(button_a.get_presses()))</a:t>
+                  <a:srgbClr val="666666"/>
+                </a:solidFill>
+                <a:latin typeface="Courier New"/>
+                <a:ea typeface="DejaVu Sans"/>
+              </a:rPr>
+              <a:t>.</a:t>
+            </a:r>
+            <a:r>
+              <a:rPr b="0" lang="cs-CZ" sz="2800" spc="-1" strike="noStrike">
+                <a:solidFill>
+                  <a:srgbClr val="000000"/>
+                </a:solidFill>
+                <a:latin typeface="Courier New"/>
+                <a:ea typeface="DejaVu Sans"/>
+              </a:rPr>
+              <a:t>show(button_a</a:t>
+            </a:r>
+            <a:r>
+              <a:rPr b="0" lang="cs-CZ" sz="2800" spc="-1" strike="noStrike">
+                <a:solidFill>
+                  <a:srgbClr val="666666"/>
+                </a:solidFill>
+                <a:latin typeface="Courier New"/>
+                <a:ea typeface="DejaVu Sans"/>
+              </a:rPr>
+              <a:t>.</a:t>
+            </a:r>
+            <a:r>
+              <a:rPr b="0" lang="cs-CZ" sz="2800" spc="-1" strike="noStrike">
+                <a:solidFill>
+                  <a:srgbClr val="000000"/>
+                </a:solidFill>
+                <a:latin typeface="Courier New"/>
+                <a:ea typeface="DejaVu Sans"/>
+              </a:rPr>
+              <a:t>get_presses())</a:t>
             </a:r>
             <a:endParaRPr b="0" lang="cs-CZ" sz="2800" spc="-1" strike="noStrike">
               <a:latin typeface="Arial"/>
